--- a/과제 완료/20230308 자바 과제 남정현.pptx
+++ b/과제 완료/20230308 자바 과제 남정현.pptx
@@ -1,6 +1,6 @@
 
 <file path=ppt/presentation.xml><?xml version="1.0" encoding="utf-8"?>
-<p:presentation xmlns:a="http://schemas.openxmlformats.org/drawingml/2006/main" xmlns:r="http://schemas.openxmlformats.org/officeDocument/2006/relationships" xmlns:p="http://schemas.openxmlformats.org/presentationml/2006/main" autoCompressPictures="0">
+<p:presentation xmlns:r="http://schemas.openxmlformats.org/officeDocument/2006/relationships" xmlns:c="http://schemas.openxmlformats.org/drawingml/2006/chart" xmlns:a="http://schemas.openxmlformats.org/drawingml/2006/main" xmlns:dgm="http://schemas.openxmlformats.org/drawingml/2006/diagram" xmlns:dsp="http://schemas.microsoft.com/office/drawing/2008/diagram" xmlns:p="http://schemas.openxmlformats.org/presentationml/2006/main" autoCompressPictures="0">
   <p:sldMasterIdLst>
     <p:sldMasterId id="2147483648" r:id="rId1"/>
   </p:sldMasterIdLst>
@@ -13,27 +13,28 @@
     <p:sldId id="260" r:id="rId7"/>
     <p:sldId id="279" r:id="rId8"/>
     <p:sldId id="280" r:id="rId9"/>
-    <p:sldId id="276" r:id="rId10"/>
-    <p:sldId id="277" r:id="rId11"/>
-    <p:sldId id="261" r:id="rId12"/>
-    <p:sldId id="262" r:id="rId13"/>
-    <p:sldId id="263" r:id="rId14"/>
-    <p:sldId id="264" r:id="rId15"/>
-    <p:sldId id="265" r:id="rId16"/>
-    <p:sldId id="266" r:id="rId17"/>
-    <p:sldId id="291" r:id="rId18"/>
-    <p:sldId id="292" r:id="rId19"/>
-    <p:sldId id="281" r:id="rId20"/>
-    <p:sldId id="282" r:id="rId21"/>
-    <p:sldId id="283" r:id="rId22"/>
-    <p:sldId id="268" r:id="rId23"/>
-    <p:sldId id="284" r:id="rId24"/>
-    <p:sldId id="293" r:id="rId25"/>
-    <p:sldId id="286" r:id="rId26"/>
-    <p:sldId id="285" r:id="rId27"/>
-    <p:sldId id="287" r:id="rId28"/>
-    <p:sldId id="288" r:id="rId29"/>
-    <p:sldId id="289" r:id="rId30"/>
+    <p:sldId id="294" r:id="rId10"/>
+    <p:sldId id="276" r:id="rId11"/>
+    <p:sldId id="277" r:id="rId12"/>
+    <p:sldId id="261" r:id="rId13"/>
+    <p:sldId id="262" r:id="rId14"/>
+    <p:sldId id="263" r:id="rId15"/>
+    <p:sldId id="264" r:id="rId16"/>
+    <p:sldId id="265" r:id="rId17"/>
+    <p:sldId id="266" r:id="rId18"/>
+    <p:sldId id="291" r:id="rId19"/>
+    <p:sldId id="292" r:id="rId20"/>
+    <p:sldId id="281" r:id="rId21"/>
+    <p:sldId id="282" r:id="rId22"/>
+    <p:sldId id="283" r:id="rId23"/>
+    <p:sldId id="268" r:id="rId24"/>
+    <p:sldId id="284" r:id="rId25"/>
+    <p:sldId id="293" r:id="rId26"/>
+    <p:sldId id="286" r:id="rId27"/>
+    <p:sldId id="285" r:id="rId28"/>
+    <p:sldId id="287" r:id="rId29"/>
+    <p:sldId id="288" r:id="rId30"/>
+    <p:sldId id="289" r:id="rId31"/>
   </p:sldIdLst>
   <p:sldSz cx="12192000" cy="6858000"/>
   <p:notesSz cx="6858000" cy="9144000"/>
@@ -132,11 +133,6 @@
       </a:defRPr>
     </a:lvl9pPr>
   </p:defaultTextStyle>
-  <p:extLst>
-    <p:ext uri="{EFAFB233-063F-42B5-8137-9DF3F51BA10A}">
-      <p15:sldGuideLst xmlns:p15="http://schemas.microsoft.com/office/powerpoint/2012/main"/>
-    </p:ext>
-  </p:extLst>
 </p:presentation>
 </file>
 
@@ -3909,12 +3905,8 @@
           <a:lstStyle/>
           <a:p>
             <a:r>
-              <a:rPr lang="en-US" altLang="ko-KR" dirty="0"/>
-              <a:t>P</a:t>
-            </a:r>
-            <a:r>
               <a:rPr lang="en-US" altLang="ko-KR" dirty="0" smtClean="0"/>
-              <a:t>11</a:t>
+              <a:t>P11</a:t>
             </a:r>
             <a:endParaRPr lang="ko-KR" altLang="en-US" dirty="0"/>
           </a:p>
@@ -3922,7 +3914,7 @@
       </p:sp>
       <p:pic>
         <p:nvPicPr>
-          <p:cNvPr id="4" name="그림 3"/>
+          <p:cNvPr id="3" name="그림 2"/>
           <p:cNvPicPr>
             <a:picLocks noChangeAspect="1"/>
           </p:cNvPicPr>
@@ -3936,56 +3928,8 @@
         </p:blipFill>
         <p:spPr>
           <a:xfrm>
-            <a:off x="8359970" y="4695061"/>
-            <a:ext cx="2612831" cy="2162939"/>
-          </a:xfrm>
-          <a:prstGeom prst="rect">
-            <a:avLst/>
-          </a:prstGeom>
-        </p:spPr>
-      </p:pic>
-      <p:pic>
-        <p:nvPicPr>
-          <p:cNvPr id="5" name="그림 4"/>
-          <p:cNvPicPr>
-            <a:picLocks noChangeAspect="1"/>
-          </p:cNvPicPr>
-          <p:nvPr/>
-        </p:nvPicPr>
-        <p:blipFill>
-          <a:blip r:embed="rId3"/>
-          <a:stretch>
-            <a:fillRect/>
-          </a:stretch>
-        </p:blipFill>
-        <p:spPr>
-          <a:xfrm>
-            <a:off x="8359970" y="1243048"/>
-            <a:ext cx="2612831" cy="2049586"/>
-          </a:xfrm>
-          <a:prstGeom prst="rect">
-            <a:avLst/>
-          </a:prstGeom>
-        </p:spPr>
-      </p:pic>
-      <p:pic>
-        <p:nvPicPr>
-          <p:cNvPr id="6" name="그림 5"/>
-          <p:cNvPicPr>
-            <a:picLocks noChangeAspect="1"/>
-          </p:cNvPicPr>
-          <p:nvPr/>
-        </p:nvPicPr>
-        <p:blipFill>
-          <a:blip r:embed="rId4"/>
-          <a:stretch>
-            <a:fillRect/>
-          </a:stretch>
-        </p:blipFill>
-        <p:spPr>
-          <a:xfrm>
-            <a:off x="740865" y="491934"/>
-            <a:ext cx="5725249" cy="6366066"/>
+            <a:off x="1371601" y="642257"/>
+            <a:ext cx="7043056" cy="6221548"/>
           </a:xfrm>
           <a:prstGeom prst="rect">
             <a:avLst/>
@@ -3995,7 +3939,7 @@
     </p:spTree>
     <p:extLst>
       <p:ext uri="{BB962C8B-B14F-4D97-AF65-F5344CB8AC3E}">
-        <p14:creationId xmlns:p14="http://schemas.microsoft.com/office/powerpoint/2010/main" val="2972802363"/>
+        <p14:creationId xmlns:p14="http://schemas.microsoft.com/office/powerpoint/2010/main" val="1289653931"/>
       </p:ext>
     </p:extLst>
   </p:cSld>
@@ -4045,8 +3989,12 @@
           <a:lstStyle/>
           <a:p>
             <a:r>
+              <a:rPr lang="en-US" altLang="ko-KR" dirty="0"/>
+              <a:t>P</a:t>
+            </a:r>
+            <a:r>
               <a:rPr lang="en-US" altLang="ko-KR" dirty="0" smtClean="0"/>
-              <a:t>P12</a:t>
+              <a:t>11</a:t>
             </a:r>
             <a:endParaRPr lang="ko-KR" altLang="en-US" dirty="0"/>
           </a:p>
@@ -4054,7 +4002,7 @@
       </p:sp>
       <p:pic>
         <p:nvPicPr>
-          <p:cNvPr id="3" name="그림 2"/>
+          <p:cNvPr id="4" name="그림 3"/>
           <p:cNvPicPr>
             <a:picLocks noChangeAspect="1"/>
           </p:cNvPicPr>
@@ -4068,8 +4016,56 @@
         </p:blipFill>
         <p:spPr>
           <a:xfrm>
-            <a:off x="1371601" y="558931"/>
-            <a:ext cx="6379028" cy="6288454"/>
+            <a:off x="8359970" y="4695061"/>
+            <a:ext cx="2612831" cy="2162939"/>
+          </a:xfrm>
+          <a:prstGeom prst="rect">
+            <a:avLst/>
+          </a:prstGeom>
+        </p:spPr>
+      </p:pic>
+      <p:pic>
+        <p:nvPicPr>
+          <p:cNvPr id="5" name="그림 4"/>
+          <p:cNvPicPr>
+            <a:picLocks noChangeAspect="1"/>
+          </p:cNvPicPr>
+          <p:nvPr/>
+        </p:nvPicPr>
+        <p:blipFill>
+          <a:blip r:embed="rId3"/>
+          <a:stretch>
+            <a:fillRect/>
+          </a:stretch>
+        </p:blipFill>
+        <p:spPr>
+          <a:xfrm>
+            <a:off x="8359970" y="1243048"/>
+            <a:ext cx="2612831" cy="2049586"/>
+          </a:xfrm>
+          <a:prstGeom prst="rect">
+            <a:avLst/>
+          </a:prstGeom>
+        </p:spPr>
+      </p:pic>
+      <p:pic>
+        <p:nvPicPr>
+          <p:cNvPr id="6" name="그림 5"/>
+          <p:cNvPicPr>
+            <a:picLocks noChangeAspect="1"/>
+          </p:cNvPicPr>
+          <p:nvPr/>
+        </p:nvPicPr>
+        <p:blipFill>
+          <a:blip r:embed="rId4"/>
+          <a:stretch>
+            <a:fillRect/>
+          </a:stretch>
+        </p:blipFill>
+        <p:spPr>
+          <a:xfrm>
+            <a:off x="740865" y="491934"/>
+            <a:ext cx="5725249" cy="6366066"/>
           </a:xfrm>
           <a:prstGeom prst="rect">
             <a:avLst/>
@@ -4079,7 +4075,7 @@
     </p:spTree>
     <p:extLst>
       <p:ext uri="{BB962C8B-B14F-4D97-AF65-F5344CB8AC3E}">
-        <p14:creationId xmlns:p14="http://schemas.microsoft.com/office/powerpoint/2010/main" val="1020856344"/>
+        <p14:creationId xmlns:p14="http://schemas.microsoft.com/office/powerpoint/2010/main" val="2972802363"/>
       </p:ext>
     </p:extLst>
   </p:cSld>
@@ -4152,56 +4148,8 @@
         </p:blipFill>
         <p:spPr>
           <a:xfrm>
-            <a:off x="718457" y="566056"/>
-            <a:ext cx="7703376" cy="6291944"/>
-          </a:xfrm>
-          <a:prstGeom prst="rect">
-            <a:avLst/>
-          </a:prstGeom>
-        </p:spPr>
-      </p:pic>
-      <p:pic>
-        <p:nvPicPr>
-          <p:cNvPr id="4" name="그림 3"/>
-          <p:cNvPicPr>
-            <a:picLocks noChangeAspect="1"/>
-          </p:cNvPicPr>
-          <p:nvPr/>
-        </p:nvPicPr>
-        <p:blipFill>
-          <a:blip r:embed="rId3"/>
-          <a:stretch>
-            <a:fillRect/>
-          </a:stretch>
-        </p:blipFill>
-        <p:spPr>
-          <a:xfrm>
-            <a:off x="9106246" y="1621971"/>
-            <a:ext cx="3022814" cy="1643743"/>
-          </a:xfrm>
-          <a:prstGeom prst="rect">
-            <a:avLst/>
-          </a:prstGeom>
-        </p:spPr>
-      </p:pic>
-      <p:pic>
-        <p:nvPicPr>
-          <p:cNvPr id="5" name="그림 4"/>
-          <p:cNvPicPr>
-            <a:picLocks noChangeAspect="1"/>
-          </p:cNvPicPr>
-          <p:nvPr/>
-        </p:nvPicPr>
-        <p:blipFill>
-          <a:blip r:embed="rId4"/>
-          <a:stretch>
-            <a:fillRect/>
-          </a:stretch>
-        </p:blipFill>
-        <p:spPr>
-          <a:xfrm>
-            <a:off x="9106246" y="4245429"/>
-            <a:ext cx="3082875" cy="1715940"/>
+            <a:off x="1371601" y="558931"/>
+            <a:ext cx="6379028" cy="6288454"/>
           </a:xfrm>
           <a:prstGeom prst="rect">
             <a:avLst/>
@@ -4211,7 +4159,7 @@
     </p:spTree>
     <p:extLst>
       <p:ext uri="{BB962C8B-B14F-4D97-AF65-F5344CB8AC3E}">
-        <p14:creationId xmlns:p14="http://schemas.microsoft.com/office/powerpoint/2010/main" val="243180955"/>
+        <p14:creationId xmlns:p14="http://schemas.microsoft.com/office/powerpoint/2010/main" val="1020856344"/>
       </p:ext>
     </p:extLst>
   </p:cSld>
@@ -4262,7 +4210,7 @@
           <a:p>
             <a:r>
               <a:rPr lang="en-US" altLang="ko-KR" dirty="0" smtClean="0"/>
-              <a:t>P13</a:t>
+              <a:t>P12</a:t>
             </a:r>
             <a:endParaRPr lang="ko-KR" altLang="en-US" dirty="0"/>
           </a:p>
@@ -4284,8 +4232,56 @@
         </p:blipFill>
         <p:spPr>
           <a:xfrm>
-            <a:off x="1371601" y="979715"/>
-            <a:ext cx="10781267" cy="4278086"/>
+            <a:off x="718457" y="566056"/>
+            <a:ext cx="7703376" cy="6291944"/>
+          </a:xfrm>
+          <a:prstGeom prst="rect">
+            <a:avLst/>
+          </a:prstGeom>
+        </p:spPr>
+      </p:pic>
+      <p:pic>
+        <p:nvPicPr>
+          <p:cNvPr id="4" name="그림 3"/>
+          <p:cNvPicPr>
+            <a:picLocks noChangeAspect="1"/>
+          </p:cNvPicPr>
+          <p:nvPr/>
+        </p:nvPicPr>
+        <p:blipFill>
+          <a:blip r:embed="rId3"/>
+          <a:stretch>
+            <a:fillRect/>
+          </a:stretch>
+        </p:blipFill>
+        <p:spPr>
+          <a:xfrm>
+            <a:off x="9106246" y="1621971"/>
+            <a:ext cx="3022814" cy="1643743"/>
+          </a:xfrm>
+          <a:prstGeom prst="rect">
+            <a:avLst/>
+          </a:prstGeom>
+        </p:spPr>
+      </p:pic>
+      <p:pic>
+        <p:nvPicPr>
+          <p:cNvPr id="5" name="그림 4"/>
+          <p:cNvPicPr>
+            <a:picLocks noChangeAspect="1"/>
+          </p:cNvPicPr>
+          <p:nvPr/>
+        </p:nvPicPr>
+        <p:blipFill>
+          <a:blip r:embed="rId4"/>
+          <a:stretch>
+            <a:fillRect/>
+          </a:stretch>
+        </p:blipFill>
+        <p:spPr>
+          <a:xfrm>
+            <a:off x="9106246" y="4245429"/>
+            <a:ext cx="3082875" cy="1715940"/>
           </a:xfrm>
           <a:prstGeom prst="rect">
             <a:avLst/>
@@ -4295,7 +4291,7 @@
     </p:spTree>
     <p:extLst>
       <p:ext uri="{BB962C8B-B14F-4D97-AF65-F5344CB8AC3E}">
-        <p14:creationId xmlns:p14="http://schemas.microsoft.com/office/powerpoint/2010/main" val="30213865"/>
+        <p14:creationId xmlns:p14="http://schemas.microsoft.com/office/powerpoint/2010/main" val="243180955"/>
       </p:ext>
     </p:extLst>
   </p:cSld>
@@ -4345,7 +4341,7 @@
           <a:lstStyle/>
           <a:p>
             <a:r>
-              <a:rPr lang="en-US" altLang="ko-KR" dirty="0"/>
+              <a:rPr lang="en-US" altLang="ko-KR" dirty="0" smtClean="0"/>
               <a:t>P13</a:t>
             </a:r>
             <a:endParaRPr lang="ko-KR" altLang="en-US" dirty="0"/>
@@ -4354,7 +4350,7 @@
       </p:sp>
       <p:pic>
         <p:nvPicPr>
-          <p:cNvPr id="4" name="그림 3"/>
+          <p:cNvPr id="3" name="그림 2"/>
           <p:cNvPicPr>
             <a:picLocks noChangeAspect="1"/>
           </p:cNvPicPr>
@@ -4368,32 +4364,8 @@
         </p:blipFill>
         <p:spPr>
           <a:xfrm>
-            <a:off x="730011" y="522514"/>
-            <a:ext cx="9618784" cy="5159829"/>
-          </a:xfrm>
-          <a:prstGeom prst="rect">
-            <a:avLst/>
-          </a:prstGeom>
-        </p:spPr>
-      </p:pic>
-      <p:pic>
-        <p:nvPicPr>
-          <p:cNvPr id="5" name="그림 4"/>
-          <p:cNvPicPr>
-            <a:picLocks noChangeAspect="1"/>
-          </p:cNvPicPr>
-          <p:nvPr/>
-        </p:nvPicPr>
-        <p:blipFill>
-          <a:blip r:embed="rId3"/>
-          <a:stretch>
-            <a:fillRect/>
-          </a:stretch>
-        </p:blipFill>
-        <p:spPr>
-          <a:xfrm>
-            <a:off x="730010" y="5940153"/>
-            <a:ext cx="8808593" cy="917847"/>
+            <a:off x="1371601" y="979715"/>
+            <a:ext cx="10781267" cy="4278086"/>
           </a:xfrm>
           <a:prstGeom prst="rect">
             <a:avLst/>
@@ -4403,7 +4375,7 @@
     </p:spTree>
     <p:extLst>
       <p:ext uri="{BB962C8B-B14F-4D97-AF65-F5344CB8AC3E}">
-        <p14:creationId xmlns:p14="http://schemas.microsoft.com/office/powerpoint/2010/main" val="675874174"/>
+        <p14:creationId xmlns:p14="http://schemas.microsoft.com/office/powerpoint/2010/main" val="30213865"/>
       </p:ext>
     </p:extLst>
   </p:cSld>
@@ -4453,8 +4425,8 @@
           <a:lstStyle/>
           <a:p>
             <a:r>
-              <a:rPr lang="en-US" altLang="ko-KR" dirty="0" smtClean="0"/>
-              <a:t>P14</a:t>
+              <a:rPr lang="en-US" altLang="ko-KR" dirty="0"/>
+              <a:t>P13</a:t>
             </a:r>
             <a:endParaRPr lang="ko-KR" altLang="en-US" dirty="0"/>
           </a:p>
@@ -4462,7 +4434,7 @@
       </p:sp>
       <p:pic>
         <p:nvPicPr>
-          <p:cNvPr id="3" name="그림 2"/>
+          <p:cNvPr id="4" name="그림 3"/>
           <p:cNvPicPr>
             <a:picLocks noChangeAspect="1"/>
           </p:cNvPicPr>
@@ -4476,8 +4448,32 @@
         </p:blipFill>
         <p:spPr>
           <a:xfrm>
-            <a:off x="1371601" y="937264"/>
-            <a:ext cx="10001071" cy="5234935"/>
+            <a:off x="730011" y="522514"/>
+            <a:ext cx="9618784" cy="5159829"/>
+          </a:xfrm>
+          <a:prstGeom prst="rect">
+            <a:avLst/>
+          </a:prstGeom>
+        </p:spPr>
+      </p:pic>
+      <p:pic>
+        <p:nvPicPr>
+          <p:cNvPr id="5" name="그림 4"/>
+          <p:cNvPicPr>
+            <a:picLocks noChangeAspect="1"/>
+          </p:cNvPicPr>
+          <p:nvPr/>
+        </p:nvPicPr>
+        <p:blipFill>
+          <a:blip r:embed="rId3"/>
+          <a:stretch>
+            <a:fillRect/>
+          </a:stretch>
+        </p:blipFill>
+        <p:spPr>
+          <a:xfrm>
+            <a:off x="730010" y="5940153"/>
+            <a:ext cx="8808593" cy="917847"/>
           </a:xfrm>
           <a:prstGeom prst="rect">
             <a:avLst/>
@@ -4487,7 +4483,7 @@
     </p:spTree>
     <p:extLst>
       <p:ext uri="{BB962C8B-B14F-4D97-AF65-F5344CB8AC3E}">
-        <p14:creationId xmlns:p14="http://schemas.microsoft.com/office/powerpoint/2010/main" val="1947788978"/>
+        <p14:creationId xmlns:p14="http://schemas.microsoft.com/office/powerpoint/2010/main" val="675874174"/>
       </p:ext>
     </p:extLst>
   </p:cSld>
@@ -4537,7 +4533,7 @@
           <a:lstStyle/>
           <a:p>
             <a:r>
-              <a:rPr lang="en-US" altLang="ko-KR" dirty="0"/>
+              <a:rPr lang="en-US" altLang="ko-KR" dirty="0" smtClean="0"/>
               <a:t>P14</a:t>
             </a:r>
             <a:endParaRPr lang="ko-KR" altLang="en-US" dirty="0"/>
@@ -4560,8 +4556,8 @@
         </p:blipFill>
         <p:spPr>
           <a:xfrm>
-            <a:off x="1371600" y="642257"/>
-            <a:ext cx="6030685" cy="5820587"/>
+            <a:off x="1371601" y="937264"/>
+            <a:ext cx="10001071" cy="5234935"/>
           </a:xfrm>
           <a:prstGeom prst="rect">
             <a:avLst/>
@@ -4571,7 +4567,7 @@
     </p:spTree>
     <p:extLst>
       <p:ext uri="{BB962C8B-B14F-4D97-AF65-F5344CB8AC3E}">
-        <p14:creationId xmlns:p14="http://schemas.microsoft.com/office/powerpoint/2010/main" val="2877294070"/>
+        <p14:creationId xmlns:p14="http://schemas.microsoft.com/office/powerpoint/2010/main" val="1947788978"/>
       </p:ext>
     </p:extLst>
   </p:cSld>
@@ -4630,7 +4626,7 @@
       </p:sp>
       <p:pic>
         <p:nvPicPr>
-          <p:cNvPr id="5" name="그림 4"/>
+          <p:cNvPr id="3" name="그림 2"/>
           <p:cNvPicPr>
             <a:picLocks noChangeAspect="1"/>
           </p:cNvPicPr>
@@ -4644,8 +4640,8 @@
         </p:blipFill>
         <p:spPr>
           <a:xfrm>
-            <a:off x="718457" y="1251856"/>
-            <a:ext cx="11473543" cy="4691893"/>
+            <a:off x="1371600" y="642257"/>
+            <a:ext cx="6030685" cy="5820587"/>
           </a:xfrm>
           <a:prstGeom prst="rect">
             <a:avLst/>
@@ -4655,7 +4651,7 @@
     </p:spTree>
     <p:extLst>
       <p:ext uri="{BB962C8B-B14F-4D97-AF65-F5344CB8AC3E}">
-        <p14:creationId xmlns:p14="http://schemas.microsoft.com/office/powerpoint/2010/main" val="620762189"/>
+        <p14:creationId xmlns:p14="http://schemas.microsoft.com/office/powerpoint/2010/main" val="2877294070"/>
       </p:ext>
     </p:extLst>
   </p:cSld>
@@ -4714,7 +4710,7 @@
       </p:sp>
       <p:pic>
         <p:nvPicPr>
-          <p:cNvPr id="3" name="그림 2"/>
+          <p:cNvPr id="5" name="그림 4"/>
           <p:cNvPicPr>
             <a:picLocks noChangeAspect="1"/>
           </p:cNvPicPr>
@@ -4728,80 +4724,8 @@
         </p:blipFill>
         <p:spPr>
           <a:xfrm>
-            <a:off x="6392249" y="1426322"/>
-            <a:ext cx="4580552" cy="1089278"/>
-          </a:xfrm>
-          <a:prstGeom prst="rect">
-            <a:avLst/>
-          </a:prstGeom>
-        </p:spPr>
-      </p:pic>
-      <p:pic>
-        <p:nvPicPr>
-          <p:cNvPr id="4" name="그림 3"/>
-          <p:cNvPicPr>
-            <a:picLocks noChangeAspect="1"/>
-          </p:cNvPicPr>
-          <p:nvPr/>
-        </p:nvPicPr>
-        <p:blipFill>
-          <a:blip r:embed="rId3"/>
-          <a:stretch>
-            <a:fillRect/>
-          </a:stretch>
-        </p:blipFill>
-        <p:spPr>
-          <a:xfrm>
-            <a:off x="1371601" y="1426322"/>
-            <a:ext cx="3407228" cy="1089278"/>
-          </a:xfrm>
-          <a:prstGeom prst="rect">
-            <a:avLst/>
-          </a:prstGeom>
-        </p:spPr>
-      </p:pic>
-      <p:pic>
-        <p:nvPicPr>
-          <p:cNvPr id="6" name="그림 5"/>
-          <p:cNvPicPr>
-            <a:picLocks noChangeAspect="1"/>
-          </p:cNvPicPr>
-          <p:nvPr/>
-        </p:nvPicPr>
-        <p:blipFill>
-          <a:blip r:embed="rId4"/>
-          <a:stretch>
-            <a:fillRect/>
-          </a:stretch>
-        </p:blipFill>
-        <p:spPr>
-          <a:xfrm>
-            <a:off x="1371601" y="3744685"/>
-            <a:ext cx="3407228" cy="1066801"/>
-          </a:xfrm>
-          <a:prstGeom prst="rect">
-            <a:avLst/>
-          </a:prstGeom>
-        </p:spPr>
-      </p:pic>
-      <p:pic>
-        <p:nvPicPr>
-          <p:cNvPr id="7" name="그림 6"/>
-          <p:cNvPicPr>
-            <a:picLocks noChangeAspect="1"/>
-          </p:cNvPicPr>
-          <p:nvPr/>
-        </p:nvPicPr>
-        <p:blipFill>
-          <a:blip r:embed="rId5"/>
-          <a:stretch>
-            <a:fillRect/>
-          </a:stretch>
-        </p:blipFill>
-        <p:spPr>
-          <a:xfrm>
-            <a:off x="6392249" y="3744685"/>
-            <a:ext cx="4580552" cy="1066801"/>
+            <a:off x="718457" y="1251856"/>
+            <a:ext cx="11473543" cy="4691893"/>
           </a:xfrm>
           <a:prstGeom prst="rect">
             <a:avLst/>
@@ -4811,7 +4735,7 @@
     </p:spTree>
     <p:extLst>
       <p:ext uri="{BB962C8B-B14F-4D97-AF65-F5344CB8AC3E}">
-        <p14:creationId xmlns:p14="http://schemas.microsoft.com/office/powerpoint/2010/main" val="2839590492"/>
+        <p14:creationId xmlns:p14="http://schemas.microsoft.com/office/powerpoint/2010/main" val="620762189"/>
       </p:ext>
     </p:extLst>
   </p:cSld>
@@ -4861,8 +4785,8 @@
           <a:lstStyle/>
           <a:p>
             <a:r>
-              <a:rPr lang="en-US" altLang="ko-KR" dirty="0" smtClean="0"/>
-              <a:t>P15</a:t>
+              <a:rPr lang="en-US" altLang="ko-KR" dirty="0"/>
+              <a:t>P14</a:t>
             </a:r>
             <a:endParaRPr lang="ko-KR" altLang="en-US" dirty="0"/>
           </a:p>
@@ -4884,8 +4808,80 @@
         </p:blipFill>
         <p:spPr>
           <a:xfrm>
-            <a:off x="1371601" y="762430"/>
-            <a:ext cx="7794170" cy="5596956"/>
+            <a:off x="6392249" y="1426322"/>
+            <a:ext cx="4580552" cy="1089278"/>
+          </a:xfrm>
+          <a:prstGeom prst="rect">
+            <a:avLst/>
+          </a:prstGeom>
+        </p:spPr>
+      </p:pic>
+      <p:pic>
+        <p:nvPicPr>
+          <p:cNvPr id="4" name="그림 3"/>
+          <p:cNvPicPr>
+            <a:picLocks noChangeAspect="1"/>
+          </p:cNvPicPr>
+          <p:nvPr/>
+        </p:nvPicPr>
+        <p:blipFill>
+          <a:blip r:embed="rId3"/>
+          <a:stretch>
+            <a:fillRect/>
+          </a:stretch>
+        </p:blipFill>
+        <p:spPr>
+          <a:xfrm>
+            <a:off x="1371601" y="1426322"/>
+            <a:ext cx="3407228" cy="1089278"/>
+          </a:xfrm>
+          <a:prstGeom prst="rect">
+            <a:avLst/>
+          </a:prstGeom>
+        </p:spPr>
+      </p:pic>
+      <p:pic>
+        <p:nvPicPr>
+          <p:cNvPr id="6" name="그림 5"/>
+          <p:cNvPicPr>
+            <a:picLocks noChangeAspect="1"/>
+          </p:cNvPicPr>
+          <p:nvPr/>
+        </p:nvPicPr>
+        <p:blipFill>
+          <a:blip r:embed="rId4"/>
+          <a:stretch>
+            <a:fillRect/>
+          </a:stretch>
+        </p:blipFill>
+        <p:spPr>
+          <a:xfrm>
+            <a:off x="1371601" y="3744685"/>
+            <a:ext cx="3407228" cy="1066801"/>
+          </a:xfrm>
+          <a:prstGeom prst="rect">
+            <a:avLst/>
+          </a:prstGeom>
+        </p:spPr>
+      </p:pic>
+      <p:pic>
+        <p:nvPicPr>
+          <p:cNvPr id="7" name="그림 6"/>
+          <p:cNvPicPr>
+            <a:picLocks noChangeAspect="1"/>
+          </p:cNvPicPr>
+          <p:nvPr/>
+        </p:nvPicPr>
+        <p:blipFill>
+          <a:blip r:embed="rId5"/>
+          <a:stretch>
+            <a:fillRect/>
+          </a:stretch>
+        </p:blipFill>
+        <p:spPr>
+          <a:xfrm>
+            <a:off x="6392249" y="3744685"/>
+            <a:ext cx="4580552" cy="1066801"/>
           </a:xfrm>
           <a:prstGeom prst="rect">
             <a:avLst/>
@@ -4895,7 +4891,7 @@
     </p:spTree>
     <p:extLst>
       <p:ext uri="{BB962C8B-B14F-4D97-AF65-F5344CB8AC3E}">
-        <p14:creationId xmlns:p14="http://schemas.microsoft.com/office/powerpoint/2010/main" val="2811453090"/>
+        <p14:creationId xmlns:p14="http://schemas.microsoft.com/office/powerpoint/2010/main" val="2839590492"/>
       </p:ext>
     </p:extLst>
   </p:cSld>
@@ -5038,7 +5034,7 @@
       </p:sp>
       <p:pic>
         <p:nvPicPr>
-          <p:cNvPr id="4" name="그림 3"/>
+          <p:cNvPr id="3" name="그림 2"/>
           <p:cNvPicPr>
             <a:picLocks noChangeAspect="1"/>
           </p:cNvPicPr>
@@ -5052,32 +5048,8 @@
         </p:blipFill>
         <p:spPr>
           <a:xfrm>
-            <a:off x="825498" y="525461"/>
-            <a:ext cx="5455559" cy="6332539"/>
-          </a:xfrm>
-          <a:prstGeom prst="rect">
-            <a:avLst/>
-          </a:prstGeom>
-        </p:spPr>
-      </p:pic>
-      <p:pic>
-        <p:nvPicPr>
-          <p:cNvPr id="5" name="그림 4"/>
-          <p:cNvPicPr>
-            <a:picLocks noChangeAspect="1"/>
-          </p:cNvPicPr>
-          <p:nvPr/>
-        </p:nvPicPr>
-        <p:blipFill>
-          <a:blip r:embed="rId3"/>
-          <a:stretch>
-            <a:fillRect/>
-          </a:stretch>
-        </p:blipFill>
-        <p:spPr>
-          <a:xfrm>
-            <a:off x="6614738" y="525461"/>
-            <a:ext cx="5363323" cy="6332539"/>
+            <a:off x="1371601" y="762430"/>
+            <a:ext cx="7794170" cy="5596956"/>
           </a:xfrm>
           <a:prstGeom prst="rect">
             <a:avLst/>
@@ -5087,7 +5059,7 @@
     </p:spTree>
     <p:extLst>
       <p:ext uri="{BB962C8B-B14F-4D97-AF65-F5344CB8AC3E}">
-        <p14:creationId xmlns:p14="http://schemas.microsoft.com/office/powerpoint/2010/main" val="1343900859"/>
+        <p14:creationId xmlns:p14="http://schemas.microsoft.com/office/powerpoint/2010/main" val="2811453090"/>
       </p:ext>
     </p:extLst>
   </p:cSld>
@@ -5146,7 +5118,7 @@
       </p:sp>
       <p:pic>
         <p:nvPicPr>
-          <p:cNvPr id="5" name="그림 4"/>
+          <p:cNvPr id="4" name="그림 3"/>
           <p:cNvPicPr>
             <a:picLocks noChangeAspect="1"/>
           </p:cNvPicPr>
@@ -5160,8 +5132,8 @@
         </p:blipFill>
         <p:spPr>
           <a:xfrm>
-            <a:off x="1371601" y="2016490"/>
-            <a:ext cx="4183208" cy="2544624"/>
+            <a:off x="825498" y="525461"/>
+            <a:ext cx="5455559" cy="6332539"/>
           </a:xfrm>
           <a:prstGeom prst="rect">
             <a:avLst/>
@@ -5170,7 +5142,7 @@
       </p:pic>
       <p:pic>
         <p:nvPicPr>
-          <p:cNvPr id="6" name="그림 5"/>
+          <p:cNvPr id="5" name="그림 4"/>
           <p:cNvPicPr>
             <a:picLocks noChangeAspect="1"/>
           </p:cNvPicPr>
@@ -5184,8 +5156,8 @@
         </p:blipFill>
         <p:spPr>
           <a:xfrm>
-            <a:off x="6332605" y="2016490"/>
-            <a:ext cx="4640196" cy="2544624"/>
+            <a:off x="6614738" y="525461"/>
+            <a:ext cx="5363323" cy="6332539"/>
           </a:xfrm>
           <a:prstGeom prst="rect">
             <a:avLst/>
@@ -5195,7 +5167,7 @@
     </p:spTree>
     <p:extLst>
       <p:ext uri="{BB962C8B-B14F-4D97-AF65-F5344CB8AC3E}">
-        <p14:creationId xmlns:p14="http://schemas.microsoft.com/office/powerpoint/2010/main" val="993014304"/>
+        <p14:creationId xmlns:p14="http://schemas.microsoft.com/office/powerpoint/2010/main" val="1343900859"/>
       </p:ext>
     </p:extLst>
   </p:cSld>
@@ -5246,7 +5218,7 @@
           <a:p>
             <a:r>
               <a:rPr lang="en-US" altLang="ko-KR" dirty="0" smtClean="0"/>
-              <a:t>A1</a:t>
+              <a:t>P15</a:t>
             </a:r>
             <a:endParaRPr lang="ko-KR" altLang="en-US" dirty="0"/>
           </a:p>
@@ -5254,7 +5226,7 @@
       </p:sp>
       <p:pic>
         <p:nvPicPr>
-          <p:cNvPr id="3" name="그림 2"/>
+          <p:cNvPr id="5" name="그림 4"/>
           <p:cNvPicPr>
             <a:picLocks noChangeAspect="1"/>
           </p:cNvPicPr>
@@ -5268,8 +5240,32 @@
         </p:blipFill>
         <p:spPr>
           <a:xfrm>
-            <a:off x="1371601" y="642257"/>
-            <a:ext cx="9187542" cy="6038586"/>
+            <a:off x="1371601" y="2016490"/>
+            <a:ext cx="4183208" cy="2544624"/>
+          </a:xfrm>
+          <a:prstGeom prst="rect">
+            <a:avLst/>
+          </a:prstGeom>
+        </p:spPr>
+      </p:pic>
+      <p:pic>
+        <p:nvPicPr>
+          <p:cNvPr id="6" name="그림 5"/>
+          <p:cNvPicPr>
+            <a:picLocks noChangeAspect="1"/>
+          </p:cNvPicPr>
+          <p:nvPr/>
+        </p:nvPicPr>
+        <p:blipFill>
+          <a:blip r:embed="rId3"/>
+          <a:stretch>
+            <a:fillRect/>
+          </a:stretch>
+        </p:blipFill>
+        <p:spPr>
+          <a:xfrm>
+            <a:off x="6332605" y="2016490"/>
+            <a:ext cx="4640196" cy="2544624"/>
           </a:xfrm>
           <a:prstGeom prst="rect">
             <a:avLst/>
@@ -5279,7 +5275,7 @@
     </p:spTree>
     <p:extLst>
       <p:ext uri="{BB962C8B-B14F-4D97-AF65-F5344CB8AC3E}">
-        <p14:creationId xmlns:p14="http://schemas.microsoft.com/office/powerpoint/2010/main" val="2387680187"/>
+        <p14:creationId xmlns:p14="http://schemas.microsoft.com/office/powerpoint/2010/main" val="993014304"/>
       </p:ext>
     </p:extLst>
   </p:cSld>
@@ -5352,8 +5348,8 @@
         </p:blipFill>
         <p:spPr>
           <a:xfrm>
-            <a:off x="2171152" y="475838"/>
-            <a:ext cx="7849695" cy="5906324"/>
+            <a:off x="1371601" y="642257"/>
+            <a:ext cx="9187542" cy="6038586"/>
           </a:xfrm>
           <a:prstGeom prst="rect">
             <a:avLst/>
@@ -5363,7 +5359,7 @@
     </p:spTree>
     <p:extLst>
       <p:ext uri="{BB962C8B-B14F-4D97-AF65-F5344CB8AC3E}">
-        <p14:creationId xmlns:p14="http://schemas.microsoft.com/office/powerpoint/2010/main" val="607127230"/>
+        <p14:creationId xmlns:p14="http://schemas.microsoft.com/office/powerpoint/2010/main" val="2387680187"/>
       </p:ext>
     </p:extLst>
   </p:cSld>
@@ -5436,32 +5432,8 @@
         </p:blipFill>
         <p:spPr>
           <a:xfrm>
-            <a:off x="729344" y="642257"/>
+            <a:off x="2171152" y="475838"/>
             <a:ext cx="7849695" cy="5906324"/>
-          </a:xfrm>
-          <a:prstGeom prst="rect">
-            <a:avLst/>
-          </a:prstGeom>
-        </p:spPr>
-      </p:pic>
-      <p:pic>
-        <p:nvPicPr>
-          <p:cNvPr id="4" name="그림 3"/>
-          <p:cNvPicPr>
-            <a:picLocks noChangeAspect="1"/>
-          </p:cNvPicPr>
-          <p:nvPr/>
-        </p:nvPicPr>
-        <p:blipFill>
-          <a:blip r:embed="rId3"/>
-          <a:stretch>
-            <a:fillRect/>
-          </a:stretch>
-        </p:blipFill>
-        <p:spPr>
-          <a:xfrm>
-            <a:off x="8943338" y="2816538"/>
-            <a:ext cx="3248662" cy="1557761"/>
           </a:xfrm>
           <a:prstGeom prst="rect">
             <a:avLst/>
@@ -5471,7 +5443,7 @@
     </p:spTree>
     <p:extLst>
       <p:ext uri="{BB962C8B-B14F-4D97-AF65-F5344CB8AC3E}">
-        <p14:creationId xmlns:p14="http://schemas.microsoft.com/office/powerpoint/2010/main" val="214166881"/>
+        <p14:creationId xmlns:p14="http://schemas.microsoft.com/office/powerpoint/2010/main" val="607127230"/>
       </p:ext>
     </p:extLst>
   </p:cSld>
@@ -5522,7 +5494,7 @@
           <a:p>
             <a:r>
               <a:rPr lang="en-US" altLang="ko-KR" dirty="0" smtClean="0"/>
-              <a:t>A2</a:t>
+              <a:t>A1</a:t>
             </a:r>
             <a:endParaRPr lang="ko-KR" altLang="en-US" dirty="0"/>
           </a:p>
@@ -5544,8 +5516,32 @@
         </p:blipFill>
         <p:spPr>
           <a:xfrm>
-            <a:off x="1371601" y="642257"/>
-            <a:ext cx="9640019" cy="5863641"/>
+            <a:off x="729344" y="642257"/>
+            <a:ext cx="7849695" cy="5906324"/>
+          </a:xfrm>
+          <a:prstGeom prst="rect">
+            <a:avLst/>
+          </a:prstGeom>
+        </p:spPr>
+      </p:pic>
+      <p:pic>
+        <p:nvPicPr>
+          <p:cNvPr id="4" name="그림 3"/>
+          <p:cNvPicPr>
+            <a:picLocks noChangeAspect="1"/>
+          </p:cNvPicPr>
+          <p:nvPr/>
+        </p:nvPicPr>
+        <p:blipFill>
+          <a:blip r:embed="rId3"/>
+          <a:stretch>
+            <a:fillRect/>
+          </a:stretch>
+        </p:blipFill>
+        <p:spPr>
+          <a:xfrm>
+            <a:off x="8943338" y="2816538"/>
+            <a:ext cx="3248662" cy="1557761"/>
           </a:xfrm>
           <a:prstGeom prst="rect">
             <a:avLst/>
@@ -5555,7 +5551,7 @@
     </p:spTree>
     <p:extLst>
       <p:ext uri="{BB962C8B-B14F-4D97-AF65-F5344CB8AC3E}">
-        <p14:creationId xmlns:p14="http://schemas.microsoft.com/office/powerpoint/2010/main" val="2591889201"/>
+        <p14:creationId xmlns:p14="http://schemas.microsoft.com/office/powerpoint/2010/main" val="214166881"/>
       </p:ext>
     </p:extLst>
   </p:cSld>
@@ -5628,32 +5624,8 @@
         </p:blipFill>
         <p:spPr>
           <a:xfrm>
-            <a:off x="816429" y="544286"/>
-            <a:ext cx="7257589" cy="6237514"/>
-          </a:xfrm>
-          <a:prstGeom prst="rect">
-            <a:avLst/>
-          </a:prstGeom>
-        </p:spPr>
-      </p:pic>
-      <p:pic>
-        <p:nvPicPr>
-          <p:cNvPr id="4" name="그림 3"/>
-          <p:cNvPicPr>
-            <a:picLocks noChangeAspect="1"/>
-          </p:cNvPicPr>
-          <p:nvPr/>
-        </p:nvPicPr>
-        <p:blipFill>
-          <a:blip r:embed="rId3"/>
-          <a:stretch>
-            <a:fillRect/>
-          </a:stretch>
-        </p:blipFill>
-        <p:spPr>
-          <a:xfrm>
-            <a:off x="8437280" y="2218523"/>
-            <a:ext cx="3754720" cy="2462335"/>
+            <a:off x="1371601" y="642257"/>
+            <a:ext cx="9640019" cy="5863641"/>
           </a:xfrm>
           <a:prstGeom prst="rect">
             <a:avLst/>
@@ -5663,7 +5635,7 @@
     </p:spTree>
     <p:extLst>
       <p:ext uri="{BB962C8B-B14F-4D97-AF65-F5344CB8AC3E}">
-        <p14:creationId xmlns:p14="http://schemas.microsoft.com/office/powerpoint/2010/main" val="2544503998"/>
+        <p14:creationId xmlns:p14="http://schemas.microsoft.com/office/powerpoint/2010/main" val="2591889201"/>
       </p:ext>
     </p:extLst>
   </p:cSld>
@@ -5714,7 +5686,7 @@
           <a:p>
             <a:r>
               <a:rPr lang="en-US" altLang="ko-KR" dirty="0" smtClean="0"/>
-              <a:t>A3</a:t>
+              <a:t>A2</a:t>
             </a:r>
             <a:endParaRPr lang="ko-KR" altLang="en-US" dirty="0"/>
           </a:p>
@@ -5736,8 +5708,32 @@
         </p:blipFill>
         <p:spPr>
           <a:xfrm>
-            <a:off x="1371601" y="642257"/>
-            <a:ext cx="10216611" cy="5713929"/>
+            <a:off x="816429" y="544286"/>
+            <a:ext cx="7257589" cy="6237514"/>
+          </a:xfrm>
+          <a:prstGeom prst="rect">
+            <a:avLst/>
+          </a:prstGeom>
+        </p:spPr>
+      </p:pic>
+      <p:pic>
+        <p:nvPicPr>
+          <p:cNvPr id="4" name="그림 3"/>
+          <p:cNvPicPr>
+            <a:picLocks noChangeAspect="1"/>
+          </p:cNvPicPr>
+          <p:nvPr/>
+        </p:nvPicPr>
+        <p:blipFill>
+          <a:blip r:embed="rId3"/>
+          <a:stretch>
+            <a:fillRect/>
+          </a:stretch>
+        </p:blipFill>
+        <p:spPr>
+          <a:xfrm>
+            <a:off x="8437280" y="2218523"/>
+            <a:ext cx="3754720" cy="2462335"/>
           </a:xfrm>
           <a:prstGeom prst="rect">
             <a:avLst/>
@@ -5747,7 +5743,7 @@
     </p:spTree>
     <p:extLst>
       <p:ext uri="{BB962C8B-B14F-4D97-AF65-F5344CB8AC3E}">
-        <p14:creationId xmlns:p14="http://schemas.microsoft.com/office/powerpoint/2010/main" val="1778381778"/>
+        <p14:creationId xmlns:p14="http://schemas.microsoft.com/office/powerpoint/2010/main" val="2544503998"/>
       </p:ext>
     </p:extLst>
   </p:cSld>
@@ -5821,31 +5817,7 @@
         <p:spPr>
           <a:xfrm>
             <a:off x="1371601" y="642257"/>
-            <a:ext cx="4641695" cy="6215743"/>
-          </a:xfrm>
-          <a:prstGeom prst="rect">
-            <a:avLst/>
-          </a:prstGeom>
-        </p:spPr>
-      </p:pic>
-      <p:pic>
-        <p:nvPicPr>
-          <p:cNvPr id="4" name="그림 3"/>
-          <p:cNvPicPr>
-            <a:picLocks noChangeAspect="1"/>
-          </p:cNvPicPr>
-          <p:nvPr/>
-        </p:nvPicPr>
-        <p:blipFill>
-          <a:blip r:embed="rId3"/>
-          <a:stretch>
-            <a:fillRect/>
-          </a:stretch>
-        </p:blipFill>
-        <p:spPr>
-          <a:xfrm>
-            <a:off x="6868886" y="642257"/>
-            <a:ext cx="4103916" cy="6215743"/>
+            <a:ext cx="10216611" cy="5713929"/>
           </a:xfrm>
           <a:prstGeom prst="rect">
             <a:avLst/>
@@ -5855,7 +5827,7 @@
     </p:spTree>
     <p:extLst>
       <p:ext uri="{BB962C8B-B14F-4D97-AF65-F5344CB8AC3E}">
-        <p14:creationId xmlns:p14="http://schemas.microsoft.com/office/powerpoint/2010/main" val="2337274728"/>
+        <p14:creationId xmlns:p14="http://schemas.microsoft.com/office/powerpoint/2010/main" val="1778381778"/>
       </p:ext>
     </p:extLst>
   </p:cSld>
@@ -5928,8 +5900,32 @@
         </p:blipFill>
         <p:spPr>
           <a:xfrm>
-            <a:off x="1371601" y="1445638"/>
-            <a:ext cx="2636904" cy="3561790"/>
+            <a:off x="1371601" y="642257"/>
+            <a:ext cx="4641695" cy="6215743"/>
+          </a:xfrm>
+          <a:prstGeom prst="rect">
+            <a:avLst/>
+          </a:prstGeom>
+        </p:spPr>
+      </p:pic>
+      <p:pic>
+        <p:nvPicPr>
+          <p:cNvPr id="4" name="그림 3"/>
+          <p:cNvPicPr>
+            <a:picLocks noChangeAspect="1"/>
+          </p:cNvPicPr>
+          <p:nvPr/>
+        </p:nvPicPr>
+        <p:blipFill>
+          <a:blip r:embed="rId3"/>
+          <a:stretch>
+            <a:fillRect/>
+          </a:stretch>
+        </p:blipFill>
+        <p:spPr>
+          <a:xfrm>
+            <a:off x="6868886" y="642257"/>
+            <a:ext cx="4103916" cy="6215743"/>
           </a:xfrm>
           <a:prstGeom prst="rect">
             <a:avLst/>
@@ -5939,7 +5935,7 @@
     </p:spTree>
     <p:extLst>
       <p:ext uri="{BB962C8B-B14F-4D97-AF65-F5344CB8AC3E}">
-        <p14:creationId xmlns:p14="http://schemas.microsoft.com/office/powerpoint/2010/main" val="795983081"/>
+        <p14:creationId xmlns:p14="http://schemas.microsoft.com/office/powerpoint/2010/main" val="2337274728"/>
       </p:ext>
     </p:extLst>
   </p:cSld>
@@ -6048,6 +6044,90 @@
     <p:extLst>
       <p:ext uri="{BB962C8B-B14F-4D97-AF65-F5344CB8AC3E}">
         <p14:creationId xmlns:p14="http://schemas.microsoft.com/office/powerpoint/2010/main" val="900033819"/>
+      </p:ext>
+    </p:extLst>
+  </p:cSld>
+  <p:clrMapOvr>
+    <a:masterClrMapping/>
+  </p:clrMapOvr>
+</p:sld>
+</file>
+
+<file path=ppt/slides/slide30.xml><?xml version="1.0" encoding="utf-8"?>
+<p:sld xmlns:a="http://schemas.openxmlformats.org/drawingml/2006/main" xmlns:r="http://schemas.openxmlformats.org/officeDocument/2006/relationships" xmlns:p="http://schemas.openxmlformats.org/presentationml/2006/main">
+  <p:cSld>
+    <p:spTree>
+      <p:nvGrpSpPr>
+        <p:cNvPr id="1" name=""/>
+        <p:cNvGrpSpPr/>
+        <p:nvPr/>
+      </p:nvGrpSpPr>
+      <p:grpSpPr>
+        <a:xfrm>
+          <a:off x="0" y="0"/>
+          <a:ext cx="0" cy="0"/>
+          <a:chOff x="0" y="0"/>
+          <a:chExt cx="0" cy="0"/>
+        </a:xfrm>
+      </p:grpSpPr>
+      <p:sp>
+        <p:nvSpPr>
+          <p:cNvPr id="2" name="제목 1"/>
+          <p:cNvSpPr>
+            <a:spLocks noGrp="1"/>
+          </p:cNvSpPr>
+          <p:nvPr>
+            <p:ph type="title"/>
+          </p:nvPr>
+        </p:nvSpPr>
+        <p:spPr>
+          <a:xfrm>
+            <a:off x="1371601" y="0"/>
+            <a:ext cx="9601200" cy="642257"/>
+          </a:xfrm>
+        </p:spPr>
+        <p:txBody>
+          <a:bodyPr>
+            <a:normAutofit fontScale="90000"/>
+          </a:bodyPr>
+          <a:lstStyle/>
+          <a:p>
+            <a:r>
+              <a:rPr lang="en-US" altLang="ko-KR" dirty="0" smtClean="0"/>
+              <a:t>A3</a:t>
+            </a:r>
+            <a:endParaRPr lang="ko-KR" altLang="en-US" dirty="0"/>
+          </a:p>
+        </p:txBody>
+      </p:sp>
+      <p:pic>
+        <p:nvPicPr>
+          <p:cNvPr id="3" name="그림 2"/>
+          <p:cNvPicPr>
+            <a:picLocks noChangeAspect="1"/>
+          </p:cNvPicPr>
+          <p:nvPr/>
+        </p:nvPicPr>
+        <p:blipFill>
+          <a:blip r:embed="rId2"/>
+          <a:stretch>
+            <a:fillRect/>
+          </a:stretch>
+        </p:blipFill>
+        <p:spPr>
+          <a:xfrm>
+            <a:off x="1371601" y="1445638"/>
+            <a:ext cx="2636904" cy="3561790"/>
+          </a:xfrm>
+          <a:prstGeom prst="rect">
+            <a:avLst/>
+          </a:prstGeom>
+        </p:spPr>
+      </p:pic>
+    </p:spTree>
+    <p:extLst>
+      <p:ext uri="{BB962C8B-B14F-4D97-AF65-F5344CB8AC3E}">
+        <p14:creationId xmlns:p14="http://schemas.microsoft.com/office/powerpoint/2010/main" val="795983081"/>
       </p:ext>
     </p:extLst>
   </p:cSld>
@@ -6442,7 +6522,7 @@
 </file>
 
 <file path=ppt/slides/slide8.xml><?xml version="1.0" encoding="utf-8"?>
-<p:sld xmlns:a="http://schemas.openxmlformats.org/drawingml/2006/main" xmlns:r="http://schemas.openxmlformats.org/officeDocument/2006/relationships" xmlns:p="http://schemas.openxmlformats.org/presentationml/2006/main">
+<p:sld xmlns:r="http://schemas.openxmlformats.org/officeDocument/2006/relationships" xmlns:c="http://schemas.openxmlformats.org/drawingml/2006/chart" xmlns:a="http://schemas.openxmlformats.org/drawingml/2006/main" xmlns:dgm="http://schemas.openxmlformats.org/drawingml/2006/diagram" xmlns:dsp="http://schemas.microsoft.com/office/drawing/2008/diagram" xmlns:p="http://schemas.openxmlformats.org/presentationml/2006/main">
   <p:cSld>
     <p:spTree>
       <p:nvGrpSpPr>
@@ -6490,13 +6570,13 @@
       </p:sp>
       <p:pic>
         <p:nvPicPr>
-          <p:cNvPr id="3" name="그림 2"/>
+          <p:cNvPr id="6" name="그림 5"/>
           <p:cNvPicPr>
             <a:picLocks noChangeAspect="1"/>
           </p:cNvPicPr>
           <p:nvPr/>
         </p:nvPicPr>
-        <p:blipFill>
+        <p:blipFill rotWithShape="1">
           <a:blip r:embed="rId2"/>
           <a:stretch>
             <a:fillRect/>
@@ -6504,56 +6584,8 @@
         </p:blipFill>
         <p:spPr>
           <a:xfrm>
-            <a:off x="1371601" y="642257"/>
-            <a:ext cx="6925642" cy="3877216"/>
-          </a:xfrm>
-          <a:prstGeom prst="rect">
-            <a:avLst/>
-          </a:prstGeom>
-        </p:spPr>
-      </p:pic>
-      <p:pic>
-        <p:nvPicPr>
-          <p:cNvPr id="4" name="그림 3"/>
-          <p:cNvPicPr>
-            <a:picLocks noChangeAspect="1"/>
-          </p:cNvPicPr>
-          <p:nvPr/>
-        </p:nvPicPr>
-        <p:blipFill>
-          <a:blip r:embed="rId3"/>
-          <a:stretch>
-            <a:fillRect/>
-          </a:stretch>
-        </p:blipFill>
-        <p:spPr>
-          <a:xfrm>
-            <a:off x="1371601" y="5161730"/>
-            <a:ext cx="1518285" cy="1097556"/>
-          </a:xfrm>
-          <a:prstGeom prst="rect">
-            <a:avLst/>
-          </a:prstGeom>
-        </p:spPr>
-      </p:pic>
-      <p:pic>
-        <p:nvPicPr>
-          <p:cNvPr id="5" name="그림 4"/>
-          <p:cNvPicPr>
-            <a:picLocks noChangeAspect="1"/>
-          </p:cNvPicPr>
-          <p:nvPr/>
-        </p:nvPicPr>
-        <p:blipFill>
-          <a:blip r:embed="rId4"/>
-          <a:stretch>
-            <a:fillRect/>
-          </a:stretch>
-        </p:blipFill>
-        <p:spPr>
-          <a:xfrm>
-            <a:off x="4072422" y="5161730"/>
-            <a:ext cx="1536578" cy="1097556"/>
+            <a:off x="1399760" y="616251"/>
+            <a:ext cx="7845845" cy="6184585"/>
           </a:xfrm>
           <a:prstGeom prst="rect">
             <a:avLst/>
@@ -6574,7 +6606,7 @@
 </file>
 
 <file path=ppt/slides/slide9.xml><?xml version="1.0" encoding="utf-8"?>
-<p:sld xmlns:a="http://schemas.openxmlformats.org/drawingml/2006/main" xmlns:r="http://schemas.openxmlformats.org/officeDocument/2006/relationships" xmlns:p="http://schemas.openxmlformats.org/presentationml/2006/main">
+<p:sld xmlns:r="http://schemas.openxmlformats.org/officeDocument/2006/relationships" xmlns:c="http://schemas.openxmlformats.org/drawingml/2006/chart" xmlns:a="http://schemas.openxmlformats.org/drawingml/2006/main" xmlns:dgm="http://schemas.openxmlformats.org/drawingml/2006/diagram" xmlns:dsp="http://schemas.microsoft.com/office/drawing/2008/diagram" xmlns:p="http://schemas.openxmlformats.org/presentationml/2006/main">
   <p:cSld>
     <p:spTree>
       <p:nvGrpSpPr>
@@ -6597,7 +6629,7 @@
             <a:spLocks noGrp="1"/>
           </p:cNvSpPr>
           <p:nvPr>
-            <p:ph type="title"/>
+            <p:ph type="title" idx="0"/>
           </p:nvPr>
         </p:nvSpPr>
         <p:spPr>
@@ -6612,23 +6644,26 @@
           </a:bodyPr>
           <a:lstStyle/>
           <a:p>
-            <a:r>
-              <a:rPr lang="en-US" altLang="ko-KR" dirty="0" smtClean="0"/>
-              <a:t>P11</a:t>
-            </a:r>
-            <a:endParaRPr lang="ko-KR" altLang="en-US" dirty="0"/>
+            <a:pPr lvl="0">
+              <a:defRPr/>
+            </a:pPr>
+            <a:r>
+              <a:rPr lang="en-US" altLang="ko-KR"/>
+              <a:t>P8</a:t>
+            </a:r>
+            <a:endParaRPr lang="ko-KR" altLang="en-US"/>
           </a:p>
         </p:txBody>
       </p:sp>
       <p:pic>
         <p:nvPicPr>
-          <p:cNvPr id="3" name="그림 2"/>
+          <p:cNvPr id="8" name="그림 7"/>
           <p:cNvPicPr>
             <a:picLocks noChangeAspect="1"/>
           </p:cNvPicPr>
           <p:nvPr/>
         </p:nvPicPr>
-        <p:blipFill>
+        <p:blipFill rotWithShape="1">
           <a:blip r:embed="rId2"/>
           <a:stretch>
             <a:fillRect/>
@@ -6636,8 +6671,32 @@
         </p:blipFill>
         <p:spPr>
           <a:xfrm>
-            <a:off x="1371601" y="642257"/>
-            <a:ext cx="7043056" cy="6221548"/>
+            <a:off x="1503259" y="1508197"/>
+            <a:ext cx="5042106" cy="1920802"/>
+          </a:xfrm>
+          <a:prstGeom prst="rect">
+            <a:avLst/>
+          </a:prstGeom>
+        </p:spPr>
+      </p:pic>
+      <p:pic>
+        <p:nvPicPr>
+          <p:cNvPr id="9" name="그림 8"/>
+          <p:cNvPicPr>
+            <a:picLocks noChangeAspect="1"/>
+          </p:cNvPicPr>
+          <p:nvPr/>
+        </p:nvPicPr>
+        <p:blipFill rotWithShape="1">
+          <a:blip r:embed="rId3"/>
+          <a:stretch>
+            <a:fillRect/>
+          </a:stretch>
+        </p:blipFill>
+        <p:spPr>
+          <a:xfrm>
+            <a:off x="1420434" y="4525606"/>
+            <a:ext cx="5295414" cy="1815570"/>
           </a:xfrm>
           <a:prstGeom prst="rect">
             <a:avLst/>
@@ -6647,7 +6706,7 @@
     </p:spTree>
     <p:extLst>
       <p:ext uri="{BB962C8B-B14F-4D97-AF65-F5344CB8AC3E}">
-        <p14:creationId xmlns:p14="http://schemas.microsoft.com/office/powerpoint/2010/main" val="1289653931"/>
+        <p14:creationId xmlns:p14="http://schemas.microsoft.com/office/powerpoint/2010/main" val="2593268081"/>
       </p:ext>
     </p:extLst>
   </p:cSld>
@@ -6658,44 +6717,44 @@
 </file>
 
 <file path=ppt/theme/theme1.xml><?xml version="1.0" encoding="utf-8"?>
-<a:theme xmlns:a="http://schemas.openxmlformats.org/drawingml/2006/main" name="Crop">
+<a:theme xmlns:r="http://schemas.openxmlformats.org/officeDocument/2006/relationships" xmlns:c="http://schemas.openxmlformats.org/drawingml/2006/chart" xmlns:dgm="http://schemas.openxmlformats.org/drawingml/2006/diagram" xmlns:dsp="http://schemas.microsoft.com/office/drawing/2008/diagram" xmlns:a="http://schemas.openxmlformats.org/drawingml/2006/main" xmlns:pic="http://schemas.openxmlformats.org/drawingml/2006/picture" xmlns:wp="http://schemas.openxmlformats.org/drawingml/2006/wordprocessingDrawing" xmlns:xdr="http://schemas.openxmlformats.org/drawingml/2006/spreadsheetDrawing" xmlns:lc="http://schemas.openxmlformats.org/drawingml/2006/lockedCanvas" xmlns:p="http://schemas.openxmlformats.org/presentationml/2006/main" name="Crop">
   <a:themeElements>
     <a:clrScheme name="Crop">
       <a:dk1>
         <a:sysClr val="windowText" lastClr="000000"/>
       </a:dk1>
       <a:lt1>
-        <a:sysClr val="window" lastClr="FFFFFF"/>
+        <a:sysClr val="window" lastClr="ffffff"/>
       </a:lt1>
       <a:dk2>
-        <a:srgbClr val="191B0E"/>
+        <a:srgbClr val="191b0e"/>
       </a:dk2>
       <a:lt2>
-        <a:srgbClr val="EFEDE3"/>
+        <a:srgbClr val="efede3"/>
       </a:lt2>
       <a:accent1>
-        <a:srgbClr val="8C8D86"/>
+        <a:srgbClr val="8c8d86"/>
       </a:accent1>
       <a:accent2>
-        <a:srgbClr val="E6C069"/>
+        <a:srgbClr val="e6c069"/>
       </a:accent2>
       <a:accent3>
-        <a:srgbClr val="897B61"/>
+        <a:srgbClr val="897b61"/>
       </a:accent3>
       <a:accent4>
-        <a:srgbClr val="8DAB8E"/>
+        <a:srgbClr val="8dab8e"/>
       </a:accent4>
       <a:accent5>
-        <a:srgbClr val="77A2BB"/>
+        <a:srgbClr val="77a2bb"/>
       </a:accent5>
       <a:accent6>
-        <a:srgbClr val="E28394"/>
+        <a:srgbClr val="e28394"/>
       </a:accent6>
       <a:hlink>
-        <a:srgbClr val="77A2BB"/>
+        <a:srgbClr val="77a2bb"/>
       </a:hlink>
       <a:folHlink>
-        <a:srgbClr val="957A99"/>
+        <a:srgbClr val="957a99"/>
       </a:folHlink>
     </a:clrScheme>
     <a:fontScheme name="Crop">
@@ -6706,7 +6765,7 @@
         <a:font script="Jpan" typeface="メイリオ"/>
         <a:font script="Hang" typeface="돋움"/>
         <a:font script="Hans" typeface="华文楷体"/>
-        <a:font script="Hant" typeface="微軟正黑體"/>
+        <a:font script="Hant" typeface="Microsoft JhengHei"/>
         <a:font script="Arab" typeface="Tahoma"/>
         <a:font script="Hebr" typeface="Aharoni"/>
         <a:font script="Thai" typeface="LilyUPC"/>
@@ -6741,7 +6800,7 @@
         <a:font script="Jpan" typeface="メイリオ"/>
         <a:font script="Hang" typeface="돋움"/>
         <a:font script="Hans" typeface="华文楷体"/>
-        <a:font script="Hant" typeface="微軟正黑體"/>
+        <a:font script="Hant" typeface="Microsoft JhengHei"/>
         <a:font script="Arab" typeface="Tahoma"/>
         <a:font script="Hebr" typeface="Aharoni"/>
         <a:font script="Thai" typeface="LilyUPC"/>
@@ -6905,12 +6964,5 @@
       </a:bgFillStyleLst>
     </a:fmtScheme>
   </a:themeElements>
-  <a:objectDefaults/>
-  <a:extraClrSchemeLst/>
-  <a:extLst>
-    <a:ext uri="{05A4C25C-085E-4340-85A3-A5531E510DB2}">
-      <thm15:themeFamily xmlns:thm15="http://schemas.microsoft.com/office/thememl/2012/main" name="Crop" id="{EC9488ED-E761-4D60-9AC4-764D1FE2C171}" vid="{CE19780C-D67D-4C13-9DE9-A52BC3BA51B4}"/>
-    </a:ext>
-  </a:extLst>
 </a:theme>
 </file>